--- a/Main/Презентация_BW.pptx
+++ b/Main/Презентация_BW.pptx
@@ -9,7 +9,7 @@
   </p:notesMasterIdLst>
   <p:sldIdLst>
     <p:sldId id="287" r:id="rId2"/>
-    <p:sldId id="268" r:id="rId3"/>
+    <p:sldId id="302" r:id="rId3"/>
     <p:sldId id="258" r:id="rId4"/>
     <p:sldId id="290" r:id="rId5"/>
     <p:sldId id="291" r:id="rId6"/>
@@ -135,7 +135,7 @@
         <p14:section name="Введение" id="{97502D9B-FA47-4628-882A-B5B580D35905}">
           <p14:sldIdLst>
             <p14:sldId id="287"/>
-            <p14:sldId id="268"/>
+            <p14:sldId id="302"/>
           </p14:sldIdLst>
         </p14:section>
         <p14:section name="Признаки Хаара" id="{AA33AA99-758F-458A-BF8E-A12DFA4F3735}">
@@ -706,90 +706,6 @@
 </file>
 
 <file path=ppt/notesSlides/notesSlide3.xml><?xml version="1.0" encoding="utf-8"?>
-<p:notes xmlns:a="http://schemas.openxmlformats.org/drawingml/2006/main" xmlns:r="http://schemas.openxmlformats.org/officeDocument/2006/relationships" xmlns:p="http://schemas.openxmlformats.org/presentationml/2006/main">
-  <p:cSld>
-    <p:spTree>
-      <p:nvGrpSpPr>
-        <p:cNvPr id="1" name=""/>
-        <p:cNvGrpSpPr/>
-        <p:nvPr/>
-      </p:nvGrpSpPr>
-      <p:grpSpPr>
-        <a:xfrm>
-          <a:off x="0" y="0"/>
-          <a:ext cx="0" cy="0"/>
-          <a:chOff x="0" y="0"/>
-          <a:chExt cx="0" cy="0"/>
-        </a:xfrm>
-      </p:grpSpPr>
-      <p:sp>
-        <p:nvSpPr>
-          <p:cNvPr id="2" name="Образ слайда 1"/>
-          <p:cNvSpPr>
-            <a:spLocks noGrp="1" noRot="1" noChangeAspect="1"/>
-          </p:cNvSpPr>
-          <p:nvPr>
-            <p:ph type="sldImg"/>
-          </p:nvPr>
-        </p:nvSpPr>
-        <p:spPr/>
-      </p:sp>
-      <p:sp>
-        <p:nvSpPr>
-          <p:cNvPr id="3" name="Заметки 2"/>
-          <p:cNvSpPr>
-            <a:spLocks noGrp="1"/>
-          </p:cNvSpPr>
-          <p:nvPr>
-            <p:ph type="body" idx="1"/>
-          </p:nvPr>
-        </p:nvSpPr>
-        <p:spPr/>
-        <p:txBody>
-          <a:bodyPr/>
-          <a:lstStyle/>
-          <a:p>
-            <a:endParaRPr lang="ru-RU" dirty="0"/>
-          </a:p>
-        </p:txBody>
-      </p:sp>
-      <p:sp>
-        <p:nvSpPr>
-          <p:cNvPr id="4" name="Номер слайда 3"/>
-          <p:cNvSpPr>
-            <a:spLocks noGrp="1"/>
-          </p:cNvSpPr>
-          <p:nvPr>
-            <p:ph type="sldNum" sz="quarter" idx="10"/>
-          </p:nvPr>
-        </p:nvSpPr>
-        <p:spPr/>
-        <p:txBody>
-          <a:bodyPr/>
-          <a:lstStyle/>
-          <a:p>
-            <a:fld id="{B07D8ACE-0CF4-4BC1-968C-6E7AACA7D188}" type="slidenum">
-              <a:rPr lang="ru-RU" smtClean="0"/>
-              <a:t>20</a:t>
-            </a:fld>
-            <a:endParaRPr lang="ru-RU"/>
-          </a:p>
-        </p:txBody>
-      </p:sp>
-    </p:spTree>
-    <p:extLst>
-      <p:ext uri="{BB962C8B-B14F-4D97-AF65-F5344CB8AC3E}">
-        <p14:creationId xmlns:p14="http://schemas.microsoft.com/office/powerpoint/2010/main" val="2165301119"/>
-      </p:ext>
-    </p:extLst>
-  </p:cSld>
-  <p:clrMapOvr>
-    <a:masterClrMapping/>
-  </p:clrMapOvr>
-</p:notes>
-</file>
-
-<file path=ppt/notesSlides/notesSlide4.xml><?xml version="1.0" encoding="utf-8"?>
 <p:notes xmlns:a="http://schemas.openxmlformats.org/drawingml/2006/main" xmlns:r="http://schemas.openxmlformats.org/officeDocument/2006/relationships" xmlns:p="http://schemas.openxmlformats.org/presentationml/2006/main">
   <p:cSld>
     <p:spTree>
@@ -4741,6 +4657,43 @@
               <a:t>12</a:t>
             </a:fld>
             <a:endParaRPr lang="ru-RU" dirty="0">
+              <a:solidFill>
+                <a:schemeClr val="tx1"/>
+              </a:solidFill>
+            </a:endParaRPr>
+          </a:p>
+        </p:txBody>
+      </p:sp>
+      <p:sp>
+        <p:nvSpPr>
+          <p:cNvPr id="4" name="Нижний колонтитул 3"/>
+          <p:cNvSpPr>
+            <a:spLocks noGrp="1"/>
+          </p:cNvSpPr>
+          <p:nvPr>
+            <p:ph type="ftr" sz="quarter" idx="11"/>
+          </p:nvPr>
+        </p:nvSpPr>
+        <p:spPr>
+          <a:xfrm>
+            <a:off x="838200" y="6356349"/>
+            <a:ext cx="5656943" cy="365125"/>
+          </a:xfrm>
+        </p:spPr>
+        <p:txBody>
+          <a:bodyPr/>
+          <a:lstStyle/>
+          <a:p>
+            <a:pPr algn="just"/>
+            <a:r>
+              <a:rPr lang="en-US" sz="1600" dirty="0">
+                <a:solidFill>
+                  <a:schemeClr val="tx1"/>
+                </a:solidFill>
+              </a:rPr>
+              <a:t>3. http://www.machinelearning.ru/wiki/index.php?title=AdaBoost</a:t>
+            </a:r>
+            <a:endParaRPr lang="ru-RU" sz="1600" dirty="0">
               <a:solidFill>
                 <a:schemeClr val="tx1"/>
               </a:solidFill>
@@ -8804,14 +8757,6 @@
 <file path=ppt/slides/slide2.xml><?xml version="1.0" encoding="utf-8"?>
 <p:sld xmlns:a="http://schemas.openxmlformats.org/drawingml/2006/main" xmlns:r="http://schemas.openxmlformats.org/officeDocument/2006/relationships" xmlns:p="http://schemas.openxmlformats.org/presentationml/2006/main">
   <p:cSld>
-    <p:bg>
-      <p:bgPr>
-        <a:solidFill>
-          <a:schemeClr val="bg1"/>
-        </a:solidFill>
-        <a:effectLst/>
-      </p:bgPr>
-    </p:bg>
     <p:spTree>
       <p:nvGrpSpPr>
         <p:cNvPr id="1" name=""/>
@@ -8842,8 +8787,8 @@
           <a:lstStyle/>
           <a:p>
             <a:r>
-              <a:rPr lang="ru-RU" b="1" dirty="0"/>
-              <a:t>Обзорная часть</a:t>
+              <a:rPr lang="ru-RU" dirty="0"/>
+              <a:t>Цели и задачи</a:t>
             </a:r>
           </a:p>
         </p:txBody>
@@ -8860,8 +8805,8 @@
         </p:nvSpPr>
         <p:spPr>
           <a:xfrm>
-            <a:off x="3423557" y="1690688"/>
-            <a:ext cx="5344886" cy="4247629"/>
+            <a:off x="838200" y="1690688"/>
+            <a:ext cx="10515600" cy="4665662"/>
           </a:xfrm>
         </p:spPr>
         <p:txBody>
@@ -8870,41 +8815,84 @@
           </a:bodyPr>
           <a:lstStyle/>
           <a:p>
-            <a:r>
-              <a:rPr lang="ru-RU" sz="2800" dirty="0"/>
-              <a:t>Признаки Хаара</a:t>
-            </a:r>
-          </a:p>
-          <a:p>
-            <a:r>
-              <a:rPr lang="ru-RU" sz="2800" dirty="0"/>
-              <a:t>Интегральное изображение</a:t>
-            </a:r>
-          </a:p>
-          <a:p>
-            <a:r>
-              <a:rPr lang="en-US" sz="2800" dirty="0"/>
-              <a:t>AdaBoost</a:t>
-            </a:r>
-          </a:p>
-          <a:p>
-            <a:r>
-              <a:rPr lang="ru-RU" sz="2800" dirty="0"/>
-              <a:t>Тестирование алгоритма</a:t>
-            </a:r>
-          </a:p>
-          <a:p>
+            <a:pPr algn="just"/>
+            <a:r>
+              <a:rPr lang="ru-RU" b="1" dirty="0"/>
+              <a:t>Цели:</a:t>
+            </a:r>
+          </a:p>
+          <a:p>
+            <a:pPr lvl="1" algn="just"/>
             <a:r>
               <a:rPr lang="ru-RU" dirty="0"/>
-              <a:t>Заключение</a:t>
-            </a:r>
-            <a:endParaRPr lang="ru-RU" sz="2800" dirty="0"/>
-          </a:p>
-        </p:txBody>
-      </p:sp>
-      <p:sp>
-        <p:nvSpPr>
-          <p:cNvPr id="5" name="Номер слайда 4"/>
+              <a:t>Реализовать алгоритм детектирования Виолы-Джонса</a:t>
+            </a:r>
+          </a:p>
+          <a:p>
+            <a:pPr lvl="1" algn="just"/>
+            <a:r>
+              <a:rPr lang="ru-RU" dirty="0"/>
+              <a:t>Выполнить модификацию алгоритма с использованием различных алгоритмов классификации</a:t>
+            </a:r>
+          </a:p>
+          <a:p>
+            <a:pPr lvl="1" algn="just"/>
+            <a:r>
+              <a:rPr lang="ru-RU" dirty="0"/>
+              <a:t>Провести сравнение результатов тестирования</a:t>
+            </a:r>
+          </a:p>
+          <a:p>
+            <a:pPr algn="just"/>
+            <a:r>
+              <a:rPr lang="ru-RU" b="1" dirty="0"/>
+              <a:t>Задачи:</a:t>
+            </a:r>
+          </a:p>
+          <a:p>
+            <a:pPr lvl="1" algn="just"/>
+            <a:r>
+              <a:rPr lang="ru-RU" dirty="0"/>
+              <a:t>Провести анализ алгоритма Виолы-Джонса</a:t>
+            </a:r>
+          </a:p>
+          <a:p>
+            <a:pPr lvl="1" algn="just"/>
+            <a:r>
+              <a:rPr lang="ru-RU" dirty="0"/>
+              <a:t>Реализовать каждый этап алгоритма с использованием пакета </a:t>
+            </a:r>
+            <a:r>
+              <a:rPr lang="en-US" dirty="0"/>
+              <a:t>MATLAB</a:t>
+            </a:r>
+          </a:p>
+          <a:p>
+            <a:pPr lvl="1" algn="just"/>
+            <a:r>
+              <a:rPr lang="ru-RU" dirty="0"/>
+              <a:t>Построить графики качества детектирования</a:t>
+            </a:r>
+          </a:p>
+          <a:p>
+            <a:pPr lvl="1" algn="just"/>
+            <a:r>
+              <a:rPr lang="ru-RU" dirty="0"/>
+              <a:t>Получить оценку точности классификации</a:t>
+            </a:r>
+          </a:p>
+          <a:p>
+            <a:pPr lvl="1" algn="just"/>
+            <a:r>
+              <a:rPr lang="ru-RU" dirty="0"/>
+              <a:t>Получить ошибки первого и второго рода</a:t>
+            </a:r>
+          </a:p>
+        </p:txBody>
+      </p:sp>
+      <p:sp>
+        <p:nvSpPr>
+          <p:cNvPr id="4" name="Номер слайда 3"/>
           <p:cNvSpPr>
             <a:spLocks noGrp="1"/>
           </p:cNvSpPr>
@@ -8936,7 +8924,7 @@
     </p:spTree>
     <p:extLst>
       <p:ext uri="{BB962C8B-B14F-4D97-AF65-F5344CB8AC3E}">
-        <p14:creationId xmlns:p14="http://schemas.microsoft.com/office/powerpoint/2010/main" val="2972043569"/>
+        <p14:creationId xmlns:p14="http://schemas.microsoft.com/office/powerpoint/2010/main" val="3047749591"/>
       </p:ext>
     </p:extLst>
   </p:cSld>
@@ -8972,7 +8960,7 @@
           <p:nvPr>
             <p:extLst>
               <p:ext uri="{D42A27DB-BD31-4B8C-83A1-F6EECF244321}">
-                <p14:modId xmlns:p14="http://schemas.microsoft.com/office/powerpoint/2010/main" val="1003748484"/>
+                <p14:modId xmlns:p14="http://schemas.microsoft.com/office/powerpoint/2010/main" val="4143687975"/>
               </p:ext>
             </p:extLst>
           </p:nvPr>
@@ -9038,9 +9026,6 @@
                         <a:t> </a:t>
                       </a:r>
                       <a:endParaRPr lang="ru-RU" sz="2400" kern="50" dirty="0">
-                        <a:solidFill>
-                          <a:schemeClr val="tx1"/>
-                        </a:solidFill>
                         <a:effectLst/>
                         <a:latin typeface="Times New Roman" panose="02020603050405020304" pitchFamily="18" charset="0"/>
                         <a:ea typeface="Times New Roman" panose="02020603050405020304" pitchFamily="18" charset="0"/>
@@ -9091,9 +9076,6 @@
                         <a:t>образцов</a:t>
                       </a:r>
                       <a:endParaRPr lang="ru-RU" sz="2400" kern="50" dirty="0">
-                        <a:solidFill>
-                          <a:schemeClr val="tx1"/>
-                        </a:solidFill>
                         <a:effectLst/>
                         <a:latin typeface="Times New Roman" panose="02020603050405020304" pitchFamily="18" charset="0"/>
                         <a:ea typeface="Times New Roman" panose="02020603050405020304" pitchFamily="18" charset="0"/>
@@ -9122,9 +9104,6 @@
                         <a:t>Негативных образцов</a:t>
                       </a:r>
                       <a:endParaRPr lang="ru-RU" sz="2400" kern="50" dirty="0">
-                        <a:solidFill>
-                          <a:schemeClr val="tx1"/>
-                        </a:solidFill>
                         <a:effectLst/>
                         <a:latin typeface="Times New Roman" panose="02020603050405020304" pitchFamily="18" charset="0"/>
                         <a:ea typeface="Times New Roman" panose="02020603050405020304" pitchFamily="18" charset="0"/>
@@ -9160,9 +9139,6 @@
                         <a:t>Размер тренировочной выборки</a:t>
                       </a:r>
                       <a:endParaRPr lang="ru-RU" sz="2400" kern="50" dirty="0">
-                        <a:solidFill>
-                          <a:schemeClr val="tx1"/>
-                        </a:solidFill>
                         <a:effectLst/>
                         <a:latin typeface="Times New Roman" panose="02020603050405020304" pitchFamily="18" charset="0"/>
                         <a:ea typeface="Times New Roman" panose="02020603050405020304" pitchFamily="18" charset="0"/>
@@ -9201,9 +9177,6 @@
                         <a:t>320</a:t>
                       </a:r>
                       <a:endParaRPr lang="ru-RU" sz="2400" kern="50" dirty="0">
-                        <a:solidFill>
-                          <a:schemeClr val="tx1"/>
-                        </a:solidFill>
                         <a:effectLst/>
                         <a:latin typeface="Times New Roman" panose="02020603050405020304" pitchFamily="18" charset="0"/>
                         <a:ea typeface="Times New Roman" panose="02020603050405020304" pitchFamily="18" charset="0"/>
@@ -9232,9 +9205,6 @@
                         <a:t>640</a:t>
                       </a:r>
                       <a:endParaRPr lang="ru-RU" sz="2400" kern="50" dirty="0">
-                        <a:solidFill>
-                          <a:schemeClr val="tx1"/>
-                        </a:solidFill>
                         <a:effectLst/>
                         <a:latin typeface="Times New Roman" panose="02020603050405020304" pitchFamily="18" charset="0"/>
                         <a:ea typeface="Times New Roman" panose="02020603050405020304" pitchFamily="18" charset="0"/>
@@ -9270,9 +9240,6 @@
                         <a:t>Размер тестовой выборки</a:t>
                       </a:r>
                       <a:endParaRPr lang="ru-RU" sz="2400" kern="50" dirty="0">
-                        <a:solidFill>
-                          <a:schemeClr val="tx1"/>
-                        </a:solidFill>
                         <a:effectLst/>
                         <a:latin typeface="Times New Roman" panose="02020603050405020304" pitchFamily="18" charset="0"/>
                         <a:ea typeface="Times New Roman" panose="02020603050405020304" pitchFamily="18" charset="0"/>
@@ -9311,9 +9278,6 @@
                         <a:t>80</a:t>
                       </a:r>
                       <a:endParaRPr lang="ru-RU" sz="2400" kern="50" dirty="0">
-                        <a:solidFill>
-                          <a:schemeClr val="tx1"/>
-                        </a:solidFill>
                         <a:effectLst/>
                         <a:latin typeface="Times New Roman" panose="02020603050405020304" pitchFamily="18" charset="0"/>
                         <a:ea typeface="Times New Roman" panose="02020603050405020304" pitchFamily="18" charset="0"/>
@@ -9342,9 +9306,6 @@
                         <a:t>160</a:t>
                       </a:r>
                       <a:endParaRPr lang="ru-RU" sz="2400" kern="50" dirty="0">
-                        <a:solidFill>
-                          <a:schemeClr val="tx1"/>
-                        </a:solidFill>
                         <a:effectLst/>
                         <a:latin typeface="Times New Roman" panose="02020603050405020304" pitchFamily="18" charset="0"/>
                         <a:ea typeface="Times New Roman" panose="02020603050405020304" pitchFamily="18" charset="0"/>
@@ -9380,9 +9341,6 @@
                         <a:t>AdaBoost</a:t>
                       </a:r>
                       <a:endParaRPr lang="ru-RU" sz="2400" kern="50" dirty="0">
-                        <a:solidFill>
-                          <a:schemeClr val="tx1"/>
-                        </a:solidFill>
                         <a:effectLst/>
                         <a:latin typeface="Times New Roman" panose="02020603050405020304" pitchFamily="18" charset="0"/>
                         <a:ea typeface="Times New Roman" panose="02020603050405020304" pitchFamily="18" charset="0"/>
@@ -9411,9 +9369,6 @@
                         <a:t>Правильно классифицировано</a:t>
                       </a:r>
                       <a:endParaRPr lang="ru-RU" sz="2400" kern="50" dirty="0">
-                        <a:solidFill>
-                          <a:schemeClr val="tx1"/>
-                        </a:solidFill>
                         <a:effectLst/>
                         <a:latin typeface="Times New Roman" panose="02020603050405020304" pitchFamily="18" charset="0"/>
                         <a:ea typeface="Times New Roman" panose="02020603050405020304" pitchFamily="18" charset="0"/>
@@ -9442,9 +9397,6 @@
                         <a:t>75</a:t>
                       </a:r>
                       <a:endParaRPr lang="ru-RU" sz="2400" kern="50" dirty="0">
-                        <a:solidFill>
-                          <a:schemeClr val="tx1"/>
-                        </a:solidFill>
                         <a:effectLst/>
                         <a:latin typeface="Times New Roman" panose="02020603050405020304" pitchFamily="18" charset="0"/>
                         <a:ea typeface="Times New Roman" panose="02020603050405020304" pitchFamily="18" charset="0"/>
@@ -9473,9 +9425,6 @@
                         <a:t>152</a:t>
                       </a:r>
                       <a:endParaRPr lang="ru-RU" sz="2400" kern="50" dirty="0">
-                        <a:solidFill>
-                          <a:schemeClr val="tx1"/>
-                        </a:solidFill>
                         <a:effectLst/>
                         <a:latin typeface="Times New Roman" panose="02020603050405020304" pitchFamily="18" charset="0"/>
                         <a:ea typeface="Times New Roman" panose="02020603050405020304" pitchFamily="18" charset="0"/>
@@ -9511,9 +9460,6 @@
                         <a:t>Coarse Gaussian</a:t>
                       </a:r>
                       <a:endParaRPr lang="ru-RU" sz="2400" kern="50" dirty="0">
-                        <a:solidFill>
-                          <a:schemeClr val="tx1"/>
-                        </a:solidFill>
                         <a:effectLst/>
                         <a:latin typeface="Times New Roman" panose="02020603050405020304" pitchFamily="18" charset="0"/>
                         <a:ea typeface="Times New Roman" panose="02020603050405020304" pitchFamily="18" charset="0"/>
@@ -9552,9 +9498,6 @@
                         <a:t>67</a:t>
                       </a:r>
                       <a:endParaRPr lang="ru-RU" sz="2400" kern="50" dirty="0">
-                        <a:solidFill>
-                          <a:schemeClr val="tx1"/>
-                        </a:solidFill>
                         <a:effectLst/>
                         <a:latin typeface="Times New Roman" panose="02020603050405020304" pitchFamily="18" charset="0"/>
                         <a:ea typeface="Times New Roman" panose="02020603050405020304" pitchFamily="18" charset="0"/>
@@ -9583,9 +9526,6 @@
                         <a:t>156</a:t>
                       </a:r>
                       <a:endParaRPr lang="ru-RU" sz="2400" kern="50" dirty="0">
-                        <a:solidFill>
-                          <a:schemeClr val="tx1"/>
-                        </a:solidFill>
                         <a:effectLst/>
                         <a:latin typeface="Times New Roman" panose="02020603050405020304" pitchFamily="18" charset="0"/>
                         <a:ea typeface="Times New Roman" panose="02020603050405020304" pitchFamily="18" charset="0"/>
@@ -9641,9 +9581,6 @@
                         <a:t>68</a:t>
                       </a:r>
                       <a:endParaRPr lang="ru-RU" sz="2400" kern="50" dirty="0">
-                        <a:solidFill>
-                          <a:schemeClr val="tx1"/>
-                        </a:solidFill>
                         <a:effectLst/>
                         <a:latin typeface="Times New Roman" panose="02020603050405020304" pitchFamily="18" charset="0"/>
                         <a:ea typeface="Times New Roman" panose="02020603050405020304" pitchFamily="18" charset="0"/>
@@ -9672,9 +9609,6 @@
                         <a:t>154</a:t>
                       </a:r>
                       <a:endParaRPr lang="ru-RU" sz="2400" kern="50" dirty="0">
-                        <a:solidFill>
-                          <a:schemeClr val="tx1"/>
-                        </a:solidFill>
                         <a:effectLst/>
                         <a:latin typeface="Times New Roman" panose="02020603050405020304" pitchFamily="18" charset="0"/>
                         <a:ea typeface="Times New Roman" panose="02020603050405020304" pitchFamily="18" charset="0"/>
@@ -9710,9 +9644,6 @@
                         <a:t>Quadratic Discriminant</a:t>
                       </a:r>
                       <a:endParaRPr lang="ru-RU" sz="2400" kern="50" dirty="0">
-                        <a:solidFill>
-                          <a:schemeClr val="tx1"/>
-                        </a:solidFill>
                         <a:effectLst/>
                         <a:latin typeface="Times New Roman" panose="02020603050405020304" pitchFamily="18" charset="0"/>
                         <a:ea typeface="Times New Roman" panose="02020603050405020304" pitchFamily="18" charset="0"/>
@@ -9877,7 +9808,7 @@
           <p:nvPr>
             <p:extLst>
               <p:ext uri="{D42A27DB-BD31-4B8C-83A1-F6EECF244321}">
-                <p14:modId xmlns:p14="http://schemas.microsoft.com/office/powerpoint/2010/main" val="3154154883"/>
+                <p14:modId xmlns:p14="http://schemas.microsoft.com/office/powerpoint/2010/main" val="4067123753"/>
               </p:ext>
             </p:extLst>
           </p:nvPr>
@@ -10810,6 +10741,43 @@
           </a:p>
         </p:txBody>
       </p:sp>
+      <p:sp>
+        <p:nvSpPr>
+          <p:cNvPr id="4" name="Нижний колонтитул 3"/>
+          <p:cNvSpPr>
+            <a:spLocks noGrp="1"/>
+          </p:cNvSpPr>
+          <p:nvPr>
+            <p:ph type="ftr" sz="quarter" idx="11"/>
+          </p:nvPr>
+        </p:nvSpPr>
+        <p:spPr>
+          <a:xfrm>
+            <a:off x="838199" y="6356349"/>
+            <a:ext cx="6346372" cy="365125"/>
+          </a:xfrm>
+        </p:spPr>
+        <p:txBody>
+          <a:bodyPr/>
+          <a:lstStyle/>
+          <a:p>
+            <a:pPr algn="just"/>
+            <a:r>
+              <a:rPr lang="en-US" sz="1600" dirty="0">
+                <a:solidFill>
+                  <a:schemeClr val="tx1"/>
+                </a:solidFill>
+              </a:rPr>
+              <a:t>1. https://habrahabr.ru/company/recognitor/blog/228195/</a:t>
+            </a:r>
+            <a:endParaRPr lang="ru-RU" sz="1600" dirty="0">
+              <a:solidFill>
+                <a:schemeClr val="tx1"/>
+              </a:solidFill>
+            </a:endParaRPr>
+          </a:p>
+        </p:txBody>
+      </p:sp>
     </p:spTree>
     <p:extLst>
       <p:ext uri="{BB962C8B-B14F-4D97-AF65-F5344CB8AC3E}">
@@ -12355,8 +12323,8 @@
         </p:nvSpPr>
         <p:spPr>
           <a:xfrm>
-            <a:off x="2052231" y="5082647"/>
-            <a:ext cx="2465178" cy="913565"/>
+            <a:off x="1984058" y="5082647"/>
+            <a:ext cx="2601523" cy="913565"/>
           </a:xfrm>
           <a:prstGeom prst="ellipse">
             <a:avLst/>
@@ -12449,8 +12417,8 @@
         </p:nvCxnSpPr>
         <p:spPr>
           <a:xfrm flipV="1">
-            <a:off x="4517409" y="4757188"/>
-            <a:ext cx="3215443" cy="782242"/>
+            <a:off x="4585581" y="4757188"/>
+            <a:ext cx="3147271" cy="782242"/>
           </a:xfrm>
           <a:prstGeom prst="straightConnector1">
             <a:avLst/>
@@ -12988,6 +12956,43 @@
               <a:t>7</a:t>
             </a:fld>
             <a:endParaRPr lang="ru-RU" dirty="0">
+              <a:solidFill>
+                <a:schemeClr val="tx1"/>
+              </a:solidFill>
+            </a:endParaRPr>
+          </a:p>
+        </p:txBody>
+      </p:sp>
+      <p:sp>
+        <p:nvSpPr>
+          <p:cNvPr id="4" name="Нижний колонтитул 3"/>
+          <p:cNvSpPr>
+            <a:spLocks noGrp="1"/>
+          </p:cNvSpPr>
+          <p:nvPr>
+            <p:ph type="ftr" sz="quarter" idx="11"/>
+          </p:nvPr>
+        </p:nvSpPr>
+        <p:spPr>
+          <a:xfrm>
+            <a:off x="838200" y="6356349"/>
+            <a:ext cx="8625114" cy="365125"/>
+          </a:xfrm>
+        </p:spPr>
+        <p:txBody>
+          <a:bodyPr/>
+          <a:lstStyle/>
+          <a:p>
+            <a:pPr algn="just"/>
+            <a:r>
+              <a:rPr lang="en-US" sz="1600" dirty="0">
+                <a:solidFill>
+                  <a:schemeClr val="tx1"/>
+                </a:solidFill>
+              </a:rPr>
+              <a:t>2. https://computersciencesource.wordpress.com/2010/09/03/computer-vision-the-integral-image/</a:t>
+            </a:r>
+            <a:endParaRPr lang="ru-RU" sz="1600" dirty="0">
               <a:solidFill>
                 <a:schemeClr val="tx1"/>
               </a:solidFill>
